--- a/VW Presentation/Presentation_Contribution_Michael.pptx
+++ b/VW Presentation/Presentation_Contribution_Michael.pptx
@@ -109,6 +109,11 @@
       </a:defRPr>
     </a:lvl9pPr>
   </p:defaultTextStyle>
+  <p:extLst>
+    <p:ext uri="{EFAFB233-063F-42B5-8137-9DF3F51BA10A}">
+      <p15:sldGuideLst xmlns:p15="http://schemas.microsoft.com/office/powerpoint/2012/main"/>
+    </p:ext>
+  </p:extLst>
 </p:presentation>
 </file>
 
@@ -364,15 +369,7 @@
                   <a:srgbClr val="FFFFFF"/>
                 </a:solidFill>
               </a:rPr>
-              <a:t>Associate </a:t>
-            </a:r>
-            <a:r>
-              <a:rPr lang="en-US" sz="1000" dirty="0">
-                <a:solidFill>
-                  <a:srgbClr val="FFFFFF"/>
-                </a:solidFill>
-              </a:rPr>
-              <a:t>Professor</a:t>
+              <a:t>Associate Professor</a:t>
             </a:r>
             <a:endParaRPr lang="de-DE" sz="1400" b="1" dirty="0">
               <a:solidFill>
@@ -706,7 +703,7 @@
           <a:p>
             <a:fld id="{06A83BD9-AA1E-4ABA-AC40-5258ED8B7E61}" type="datetimeFigureOut">
               <a:rPr lang="en-US" smtClean="0"/>
-              <a:t>10/13/2013</a:t>
+              <a:t>10/15/2013</a:t>
             </a:fld>
             <a:endParaRPr lang="en-US"/>
           </a:p>
@@ -959,7 +956,7 @@
           <a:p>
             <a:fld id="{06A83BD9-AA1E-4ABA-AC40-5258ED8B7E61}" type="datetimeFigureOut">
               <a:rPr lang="en-US" smtClean="0"/>
-              <a:t>10/13/2013</a:t>
+              <a:t>10/15/2013</a:t>
             </a:fld>
             <a:endParaRPr lang="en-US"/>
           </a:p>
@@ -1129,7 +1126,7 @@
           <a:p>
             <a:fld id="{06A83BD9-AA1E-4ABA-AC40-5258ED8B7E61}" type="datetimeFigureOut">
               <a:rPr lang="en-US" smtClean="0"/>
-              <a:t>10/13/2013</a:t>
+              <a:t>10/15/2013</a:t>
             </a:fld>
             <a:endParaRPr lang="en-US"/>
           </a:p>
@@ -1309,7 +1306,7 @@
           <a:p>
             <a:fld id="{06A83BD9-AA1E-4ABA-AC40-5258ED8B7E61}" type="datetimeFigureOut">
               <a:rPr lang="en-US" smtClean="0"/>
-              <a:t>10/13/2013</a:t>
+              <a:t>10/15/2013</a:t>
             </a:fld>
             <a:endParaRPr lang="en-US"/>
           </a:p>
@@ -1509,7 +1506,7 @@
           <a:p>
             <a:fld id="{7EED7E21-C7E6-4760-9C64-DA2CD3131195}" type="datetimeFigureOut">
               <a:rPr lang="en-US" smtClean="0"/>
-              <a:t>10/13/2013</a:t>
+              <a:t>10/15/2013</a:t>
             </a:fld>
             <a:endParaRPr lang="en-US"/>
           </a:p>
@@ -1717,7 +1714,7 @@
           <a:p>
             <a:fld id="{06A83BD9-AA1E-4ABA-AC40-5258ED8B7E61}" type="datetimeFigureOut">
               <a:rPr lang="en-US" smtClean="0"/>
-              <a:t>10/13/2013</a:t>
+              <a:t>10/15/2013</a:t>
             </a:fld>
             <a:endParaRPr lang="en-US"/>
           </a:p>
@@ -1887,7 +1884,7 @@
           <a:p>
             <a:fld id="{06A83BD9-AA1E-4ABA-AC40-5258ED8B7E61}" type="datetimeFigureOut">
               <a:rPr lang="en-US" smtClean="0"/>
-              <a:t>10/13/2013</a:t>
+              <a:t>10/15/2013</a:t>
             </a:fld>
             <a:endParaRPr lang="en-US"/>
           </a:p>
@@ -2133,7 +2130,7 @@
           <a:p>
             <a:fld id="{06A83BD9-AA1E-4ABA-AC40-5258ED8B7E61}" type="datetimeFigureOut">
               <a:rPr lang="en-US" smtClean="0"/>
-              <a:t>10/13/2013</a:t>
+              <a:t>10/15/2013</a:t>
             </a:fld>
             <a:endParaRPr lang="en-US"/>
           </a:p>
@@ -2365,7 +2362,7 @@
           <a:p>
             <a:fld id="{06A83BD9-AA1E-4ABA-AC40-5258ED8B7E61}" type="datetimeFigureOut">
               <a:rPr lang="en-US" smtClean="0"/>
-              <a:t>10/13/2013</a:t>
+              <a:t>10/15/2013</a:t>
             </a:fld>
             <a:endParaRPr lang="en-US"/>
           </a:p>
@@ -2732,7 +2729,7 @@
           <a:p>
             <a:fld id="{06A83BD9-AA1E-4ABA-AC40-5258ED8B7E61}" type="datetimeFigureOut">
               <a:rPr lang="en-US" smtClean="0"/>
-              <a:t>10/13/2013</a:t>
+              <a:t>10/15/2013</a:t>
             </a:fld>
             <a:endParaRPr lang="en-US"/>
           </a:p>
@@ -2850,7 +2847,7 @@
           <a:p>
             <a:fld id="{06A83BD9-AA1E-4ABA-AC40-5258ED8B7E61}" type="datetimeFigureOut">
               <a:rPr lang="en-US" smtClean="0"/>
-              <a:t>10/13/2013</a:t>
+              <a:t>10/15/2013</a:t>
             </a:fld>
             <a:endParaRPr lang="en-US"/>
           </a:p>
@@ -2945,7 +2942,7 @@
           <a:p>
             <a:fld id="{06A83BD9-AA1E-4ABA-AC40-5258ED8B7E61}" type="datetimeFigureOut">
               <a:rPr lang="en-US" smtClean="0"/>
-              <a:t>10/13/2013</a:t>
+              <a:t>10/15/2013</a:t>
             </a:fld>
             <a:endParaRPr lang="en-US"/>
           </a:p>
@@ -4063,7 +4060,7 @@
           <a:p>
             <a:fld id="{06A83BD9-AA1E-4ABA-AC40-5258ED8B7E61}" type="datetimeFigureOut">
               <a:rPr lang="en-US" smtClean="0"/>
-              <a:t>10/13/2013</a:t>
+              <a:t>10/15/2013</a:t>
             </a:fld>
             <a:endParaRPr lang="en-US"/>
           </a:p>
@@ -4978,8 +4975,8 @@
         </p:nvSpPr>
         <p:spPr>
           <a:xfrm>
-            <a:off x="1524000" y="2398880"/>
-            <a:ext cx="9144000" cy="3408362"/>
+            <a:off x="1524000" y="2117558"/>
+            <a:ext cx="9144000" cy="3689684"/>
           </a:xfrm>
         </p:spPr>
         <p:txBody>
@@ -5060,8 +5057,23 @@
             </a:pPr>
             <a:r>
               <a:rPr lang="en-US" dirty="0" smtClean="0"/>
-              <a:t>Does not natively understand controller inputs or haptic feedback</a:t>
-            </a:r>
+              <a:t>Does not natively understand controller inputs or haptic </a:t>
+            </a:r>
+            <a:r>
+              <a:rPr lang="en-US" dirty="0" smtClean="0"/>
+              <a:t>feedback</a:t>
+            </a:r>
+          </a:p>
+          <a:p>
+            <a:pPr marL="342900" indent="-342900" algn="l">
+              <a:buFont typeface="Arial" panose="020B0604020202020204" pitchFamily="34" charset="0"/>
+              <a:buChar char="•"/>
+            </a:pPr>
+            <a:r>
+              <a:rPr lang="en-US" dirty="0" smtClean="0"/>
+              <a:t>Does Volkswagen have a preferred Simulation environment?</a:t>
+            </a:r>
+            <a:endParaRPr lang="en-US" dirty="0" smtClean="0"/>
           </a:p>
           <a:p>
             <a:pPr marL="800100" lvl="1" indent="-342900">
